--- a/단어 분석 및 spark 이해 및 활용/linux_ppt/5장_파일접근권한관리하기.pptx
+++ b/단어 분석 및 spark 이해 및 활용/linux_ppt/5장_파일접근권한관리하기.pptx
@@ -170,7 +170,7 @@
   </p:defaultTextStyle>
   <p:extLst>
     <p:ext uri="{EFAFB233-063F-42B5-8137-9DF3F51BA10A}">
-      <p15:sldGuideLst xmlns:p15="http://schemas.microsoft.com/office/powerpoint/2012/main" xmlns="">
+      <p15:sldGuideLst xmlns:p15="http://schemas.microsoft.com/office/powerpoint/2012/main">
         <p15:guide id="1" orient="horz" pos="119">
           <p15:clr>
             <a:srgbClr val="A4A3A4"/>
@@ -184,7 +184,7 @@
       </p15:sldGuideLst>
     </p:ext>
     <p:ext uri="{2D200454-40CA-4A62-9FC3-DE9A4176ACB9}">
-      <p15:notesGuideLst xmlns:p15="http://schemas.microsoft.com/office/powerpoint/2012/main" xmlns="">
+      <p15:notesGuideLst xmlns:p15="http://schemas.microsoft.com/office/powerpoint/2012/main">
         <p15:guide id="1" orient="horz" pos="2880">
           <p15:clr>
             <a:srgbClr val="A4A3A4"/>
@@ -284,7 +284,7 @@
             <a:fld id="{36C39FFA-0F1A-413B-9BFE-941741C2D487}" type="datetimeFigureOut">
               <a:rPr lang="ko-KR" altLang="en-US" smtClean="0"/>
               <a:pPr/>
-              <a:t>2019-08-05</a:t>
+              <a:t>2020-01-30</a:t>
             </a:fld>
             <a:endParaRPr lang="ko-KR" altLang="en-US"/>
           </a:p>
@@ -451,7 +451,7 @@
             <a:fld id="{62F6F0AE-7B65-4C9A-8729-A5D1A0ABE57B}" type="datetimeFigureOut">
               <a:rPr lang="ko-KR" altLang="en-US" smtClean="0"/>
               <a:pPr/>
-              <a:t>2019-08-05</a:t>
+              <a:t>2020-01-30</a:t>
             </a:fld>
             <a:endParaRPr lang="ko-KR" altLang="en-US"/>
           </a:p>
@@ -3179,7 +3179,7 @@
               <a:pPr>
                 <a:defRPr/>
               </a:pPr>
-              <a:t>2019-08-05</a:t>
+              <a:t>2020-01-30</a:t>
             </a:fld>
             <a:endParaRPr lang="ko-KR" altLang="en-US" dirty="0"/>
           </a:p>
